--- a/training-cards/emotional erwachsen/Perception (PER)/ger/apprentice/ger_PER_04_Wo_ist_die_Energie_EE_A.pptx
+++ b/training-cards/emotional erwachsen/Perception (PER)/ger/apprentice/ger_PER_04_Wo_ist_die_Energie_EE_A.pptx
@@ -108,6 +108,22 @@
       </a:defRPr>
     </a:lvl9pPr>
   </p:defaultTextStyle>
+  <p:extLst>
+    <p:ext uri="{EFAFB233-063F-42B5-8137-9DF3F51BA10A}">
+      <p15:sldGuideLst xmlns:p15="http://schemas.microsoft.com/office/powerpoint/2012/main">
+        <p15:guide id="1" orient="horz" pos="872">
+          <p15:clr>
+            <a:srgbClr val="A4A3A4"/>
+          </p15:clr>
+        </p15:guide>
+        <p15:guide id="2" pos="718">
+          <p15:clr>
+            <a:srgbClr val="A4A3A4"/>
+          </p15:clr>
+        </p15:guide>
+      </p15:sldGuideLst>
+    </p:ext>
+  </p:extLst>
 </p:presentation>
 </file>
 
@@ -193,7 +209,7 @@
           <a:p>
             <a:fld id="{6E077CBB-2DF5-4D45-BDDD-22DB2684D07E}" type="datetimeFigureOut">
               <a:rPr lang="de-DE" smtClean="0"/>
-              <a:t>28.05.15</a:t>
+              <a:t>04.11.15</a:t>
             </a:fld>
             <a:endParaRPr lang="de-DE"/>
           </a:p>
@@ -740,6 +756,162 @@
           </a:p>
         </p:txBody>
       </p:sp>
+      <p:sp>
+        <p:nvSpPr>
+          <p:cNvPr id="4" name="Textfeld 3"/>
+          <p:cNvSpPr txBox="1"/>
+          <p:nvPr userDrawn="1"/>
+        </p:nvSpPr>
+        <p:spPr>
+          <a:xfrm>
+            <a:off x="239285" y="4936890"/>
+            <a:ext cx="1044856" cy="276999"/>
+          </a:xfrm>
+          <a:prstGeom prst="rect">
+            <a:avLst/>
+          </a:prstGeom>
+          <a:noFill/>
+        </p:spPr>
+        <p:txBody>
+          <a:bodyPr wrap="square" rtlCol="0">
+            <a:spAutoFit/>
+          </a:bodyPr>
+          <a:lstStyle/>
+          <a:p>
+            <a:r>
+              <a:rPr lang="de-DE" sz="600" dirty="0">
+                <a:solidFill>
+                  <a:srgbClr val="5D5E5F"/>
+                </a:solidFill>
+                <a:latin typeface="Avenir Light"/>
+                <a:cs typeface="Avenir Light"/>
+              </a:rPr>
+              <a:t>Letzte Änderung: </a:t>
+            </a:r>
+            <a:fld id="{7A8C7DAC-E536-564C-B5B3-90E8FAB50562}" type="datetime1">
+              <a:rPr lang="de-DE" sz="600" smtClean="0">
+                <a:solidFill>
+                  <a:srgbClr val="5D5E5F"/>
+                </a:solidFill>
+                <a:latin typeface="Avenir Light"/>
+                <a:cs typeface="Avenir Light"/>
+              </a:rPr>
+              <a:t>04.11.15</a:t>
+            </a:fld>
+            <a:endParaRPr lang="de-DE" sz="600" dirty="0">
+              <a:solidFill>
+                <a:srgbClr val="5D5E5F"/>
+              </a:solidFill>
+              <a:latin typeface="Avenir Light"/>
+              <a:cs typeface="Avenir Light"/>
+            </a:endParaRPr>
+          </a:p>
+        </p:txBody>
+      </p:sp>
+      <p:sp>
+        <p:nvSpPr>
+          <p:cNvPr id="5" name="Shape 7"/>
+          <p:cNvSpPr/>
+          <p:nvPr userDrawn="1"/>
+        </p:nvSpPr>
+        <p:spPr>
+          <a:xfrm>
+            <a:off x="1683417" y="4952581"/>
+            <a:ext cx="4196016" cy="276995"/>
+          </a:xfrm>
+          <a:prstGeom prst="rect">
+            <a:avLst/>
+          </a:prstGeom>
+          <a:ln w="12700">
+            <a:miter lim="400000"/>
+          </a:ln>
+          <a:extLst>
+            <a:ext uri="{C572A759-6A51-4108-AA02-DFA0A04FC94B}">
+              <ma14:wrappingTextBoxFlag xmlns:ma14="http://schemas.microsoft.com/office/mac/drawingml/2011/main" val="1"/>
+            </a:ext>
+          </a:extLst>
+        </p:spPr>
+        <p:txBody>
+          <a:bodyPr wrap="none" lIns="45718" tIns="45718" rIns="45718" bIns="45718">
+            <a:spAutoFit/>
+          </a:bodyPr>
+          <a:lstStyle/>
+          <a:p>
+            <a:pPr lvl="0" algn="ctr">
+              <a:defRPr sz="1800"/>
+            </a:pPr>
+            <a:r>
+              <a:rPr sz="600" dirty="0">
+                <a:latin typeface="Avenir Light"/>
+                <a:ea typeface="Calibri"/>
+                <a:cs typeface="Avenir Light"/>
+                <a:sym typeface="Calibri"/>
+              </a:rPr>
+              <a:t>This work is licensed under the Creative Commons Attribution-NonCommercial-NoDerivatives 4.0 International License. </a:t>
+            </a:r>
+          </a:p>
+          <a:p>
+            <a:pPr lvl="0" algn="ctr">
+              <a:defRPr sz="1800"/>
+            </a:pPr>
+            <a:r>
+              <a:rPr sz="600" dirty="0">
+                <a:latin typeface="Avenir Light"/>
+                <a:ea typeface="Calibri"/>
+                <a:cs typeface="Avenir Light"/>
+                <a:sym typeface="Calibri"/>
+              </a:rPr>
+              <a:t>To view a copy of this license, visit </a:t>
+            </a:r>
+            <a:r>
+              <a:rPr sz="600" dirty="0">
+                <a:latin typeface="Avenir Light"/>
+                <a:ea typeface="Calibri"/>
+                <a:cs typeface="Avenir Light"/>
+                <a:sym typeface="Calibri"/>
+                <a:hlinkClick r:id="rId2"/>
+              </a:rPr>
+              <a:t>http://creativecommons.org/licenses/by-nc-nd/4.0/</a:t>
+            </a:r>
+            <a:r>
+              <a:rPr sz="600" dirty="0">
+                <a:latin typeface="Avenir Light"/>
+                <a:ea typeface="Calibri"/>
+                <a:cs typeface="Avenir Light"/>
+                <a:sym typeface="Calibri"/>
+              </a:rPr>
+              <a:t>.</a:t>
+            </a:r>
+          </a:p>
+        </p:txBody>
+      </p:sp>
+      <p:pic>
+        <p:nvPicPr>
+          <p:cNvPr id="6" name="pasted-image.tif"/>
+          <p:cNvPicPr/>
+          <p:nvPr userDrawn="1"/>
+        </p:nvPicPr>
+        <p:blipFill>
+          <a:blip r:embed="rId3">
+            <a:extLst/>
+          </a:blip>
+          <a:stretch>
+            <a:fillRect/>
+          </a:stretch>
+        </p:blipFill>
+        <p:spPr>
+          <a:xfrm>
+            <a:off x="6174185" y="4992838"/>
+            <a:ext cx="886619" cy="214128"/>
+          </a:xfrm>
+          <a:prstGeom prst="rect">
+            <a:avLst/>
+          </a:prstGeom>
+          <a:ln w="12700">
+            <a:miter lim="400000"/>
+          </a:ln>
+        </p:spPr>
+      </p:pic>
     </p:spTree>
     <p:extLst>
       <p:ext uri="{BB962C8B-B14F-4D97-AF65-F5344CB8AC3E}">
@@ -814,7 +986,7 @@
           <a:p>
             <a:fld id="{FF5B2BAF-DF38-0A48-A798-0C06E514FD52}" type="datetimeFigureOut">
               <a:rPr lang="de-DE" smtClean="0"/>
-              <a:t>28.05.15</a:t>
+              <a:t>04.11.15</a:t>
             </a:fld>
             <a:endParaRPr lang="de-DE" dirty="0"/>
           </a:p>
@@ -1057,7 +1229,7 @@
           <a:p>
             <a:fld id="{FF5B2BAF-DF38-0A48-A798-0C06E514FD52}" type="datetimeFigureOut">
               <a:rPr lang="de-DE" smtClean="0"/>
-              <a:t>28.05.15</a:t>
+              <a:t>04.11.15</a:t>
             </a:fld>
             <a:endParaRPr lang="de-DE" dirty="0"/>
           </a:p>
@@ -1799,6 +1971,44 @@
           </a:p>
         </p:txBody>
       </p:sp>
+      <p:sp>
+        <p:nvSpPr>
+          <p:cNvPr id="4" name="Untertitel 2"/>
+          <p:cNvSpPr>
+            <a:spLocks noGrp="1"/>
+          </p:cNvSpPr>
+          <p:nvPr>
+            <p:ph type="subTitle" idx="1"/>
+          </p:nvPr>
+        </p:nvSpPr>
+        <p:spPr>
+          <a:xfrm>
+            <a:off x="1192733" y="1088690"/>
+            <a:ext cx="5293995" cy="467477"/>
+          </a:xfrm>
+        </p:spPr>
+        <p:txBody>
+          <a:bodyPr>
+            <a:normAutofit/>
+          </a:bodyPr>
+          <a:lstStyle/>
+          <a:p>
+            <a:r>
+              <a:rPr lang="de-DE" sz="1000" cap="all" dirty="0" smtClean="0">
+                <a:solidFill>
+                  <a:srgbClr val="5D5E5F"/>
+                </a:solidFill>
+              </a:rPr>
+              <a:t>Silke Kainzbauer</a:t>
+            </a:r>
+            <a:endParaRPr lang="de-DE" sz="1000" cap="all" dirty="0">
+              <a:solidFill>
+                <a:srgbClr val="5D5E5F"/>
+              </a:solidFill>
+            </a:endParaRPr>
+          </a:p>
+        </p:txBody>
+      </p:sp>
     </p:spTree>
     <p:extLst>
       <p:ext uri="{BB962C8B-B14F-4D97-AF65-F5344CB8AC3E}">
@@ -1841,7 +2051,7 @@
         </p:nvSpPr>
         <p:spPr>
           <a:xfrm>
-            <a:off x="858838" y="1555750"/>
+            <a:off x="858838" y="1405275"/>
             <a:ext cx="6011545" cy="3428240"/>
           </a:xfrm>
         </p:spPr>
@@ -1999,40 +2209,32 @@
             </a:pPr>
             <a:r>
               <a:rPr lang="de-DE" dirty="0"/>
-              <a:t>Mache in zwei Wochen an mindestens 5 Tagen jeweils 3-5 Stopps</a:t>
-            </a:r>
-            <a:r>
-              <a:rPr lang="de-DE"/>
-              <a:t>, </a:t>
-            </a:r>
-            <a:r>
-              <a:rPr lang="de-DE" smtClean="0"/>
+              <a:t>Mache in zwei Wochen an mindestens 5 Tagen jeweils 3-5 Stopps, </a:t>
+            </a:r>
+            <a:r>
+              <a:rPr lang="de-DE" dirty="0" smtClean="0"/>
               <a:t/>
             </a:r>
             <a:br>
-              <a:rPr lang="de-DE" smtClean="0"/>
+              <a:rPr lang="de-DE" dirty="0" smtClean="0"/>
             </a:br>
             <a:r>
-              <a:rPr lang="de-DE" smtClean="0"/>
+              <a:rPr lang="de-DE" dirty="0" smtClean="0"/>
               <a:t>spüre </a:t>
             </a:r>
             <a:r>
               <a:rPr lang="de-DE" dirty="0"/>
-              <a:t>Deiner Energie nach und notiere Deine </a:t>
-            </a:r>
-            <a:r>
-              <a:rPr lang="de-DE"/>
-              <a:t>Wahrnehmung</a:t>
-            </a:r>
-            <a:r>
-              <a:rPr lang="de-DE" smtClean="0"/>
+              <a:t>Deiner Energie nach und notiere Deine Wahrnehmung</a:t>
+            </a:r>
+            <a:r>
+              <a:rPr lang="de-DE" dirty="0" smtClean="0"/>
               <a:t>. </a:t>
             </a:r>
             <a:br>
-              <a:rPr lang="de-DE" smtClean="0"/>
+              <a:rPr lang="de-DE" dirty="0" smtClean="0"/>
             </a:br>
             <a:r>
-              <a:rPr lang="de-DE" smtClean="0"/>
+              <a:rPr lang="de-DE" dirty="0" smtClean="0"/>
               <a:t>Besprich </a:t>
             </a:r>
             <a:r>
